--- a/Bai bao cao.pptx
+++ b/Bai bao cao.pptx
@@ -3287,13 +3287,7 @@
               <a:rPr lang="en-US" sz="2800" smtClean="0">
                 <a:latin typeface="+mj-lt"/>
               </a:rPr>
-              <a:t>Lê </a:t>
-            </a:r>
-            <a:r>
-              <a:rPr lang="en-US" sz="2800" smtClean="0">
-                <a:latin typeface="+mj-lt"/>
-              </a:rPr>
-              <a:t>Quốc Dũng</a:t>
+              <a:t>Lê Quốc Dũng</a:t>
             </a:r>
             <a:endParaRPr lang="en-US" sz="2800">
               <a:latin typeface="+mj-lt"/>
@@ -3369,9 +3363,6 @@
               </a:rPr>
               <a:t>Nhấn back để quay về màn hinh hiển thị danh sách.</a:t>
             </a:r>
-            <a:endParaRPr lang="en-US" sz="2400" smtClean="0">
-              <a:latin typeface="+mj-lt"/>
-            </a:endParaRPr>
           </a:p>
           <a:p>
             <a:endParaRPr lang="en-US" sz="2400" smtClean="0">
@@ -3420,6 +3411,9 @@
   <p:clrMapOvr>
     <a:masterClrMapping/>
   </p:clrMapOvr>
+  <p:transition spd="slow">
+    <p:push dir="u"/>
+  </p:transition>
   <p:timing>
     <p:tnLst>
       <p:par>
@@ -3621,9 +3615,6 @@
               </a:rPr>
               <a:t>Nhấn nút lưu để tiến hành lưu nhiệm vụ sau khi sửa.</a:t>
             </a:r>
-            <a:endParaRPr lang="en-US" sz="2400" smtClean="0">
-              <a:latin typeface="+mj-lt"/>
-            </a:endParaRPr>
           </a:p>
           <a:p>
             <a:endParaRPr lang="en-US" sz="2400" smtClean="0">
@@ -3672,6 +3663,9 @@
   <p:clrMapOvr>
     <a:masterClrMapping/>
   </p:clrMapOvr>
+  <p:transition spd="slow">
+    <p:push dir="u"/>
+  </p:transition>
   <p:timing>
     <p:tnLst>
       <p:par>
@@ -3893,6 +3887,9 @@
   <p:clrMapOvr>
     <a:masterClrMapping/>
   </p:clrMapOvr>
+  <p:transition spd="slow">
+    <p:push dir="u"/>
+  </p:transition>
   <p:timing>
     <p:tnLst>
       <p:par>
@@ -3994,18 +3991,7 @@
                 </a:solidFill>
                 <a:latin typeface="+mj-lt"/>
               </a:rPr>
-              <a:t>Nhóm </a:t>
-            </a:r>
-            <a:r>
-              <a:rPr lang="en-US" sz="2800" smtClean="0">
-                <a:solidFill>
-                  <a:schemeClr val="accent2">
-                    <a:lumMod val="75000"/>
-                  </a:schemeClr>
-                </a:solidFill>
-                <a:latin typeface="+mj-lt"/>
-              </a:rPr>
-              <a:t>5      </a:t>
+              <a:t>Nhóm 5      </a:t>
             </a:r>
             <a:r>
               <a:rPr lang="en-US" sz="2800" smtClean="0">
@@ -4125,6 +4111,9 @@
   <p:clrMapOvr>
     <a:masterClrMapping/>
   </p:clrMapOvr>
+  <p:transition spd="slow">
+    <p:push dir="u"/>
+  </p:transition>
   <p:timing>
     <p:tnLst>
       <p:par>
@@ -4197,6 +4186,9 @@
   <p:clrMapOvr>
     <a:masterClrMapping/>
   </p:clrMapOvr>
+  <p:transition spd="slow">
+    <p:push dir="u"/>
+  </p:transition>
   <p:timing>
     <p:tnLst>
       <p:par>
@@ -4305,13 +4297,8 @@
           <a:p>
             <a:r>
               <a:rPr lang="en-US" sz="2400" smtClean="0"/>
-              <a:t>2 Lê Quốc Dũng		MASV: </a:t>
-            </a:r>
-            <a:r>
-              <a:rPr lang="en-US" sz="2400" smtClean="0"/>
-              <a:t>???????????</a:t>
-            </a:r>
-            <a:endParaRPr lang="en-US" sz="2400" smtClean="0"/>
+              <a:t>2 Lê Quốc Dũng		MASV: ???????????</a:t>
+            </a:r>
           </a:p>
           <a:p>
             <a:endParaRPr lang="en-US" sz="2400"/>
@@ -5211,6 +5198,9 @@
   <p:clrMapOvr>
     <a:masterClrMapping/>
   </p:clrMapOvr>
+  <p:transition spd="slow">
+    <p:push dir="u"/>
+  </p:transition>
   <p:timing>
     <p:tnLst>
       <p:par>
@@ -5434,6 +5424,9 @@
   <p:clrMapOvr>
     <a:masterClrMapping/>
   </p:clrMapOvr>
+  <p:transition spd="slow">
+    <p:push dir="u"/>
+  </p:transition>
   <p:timing>
     <p:tnLst>
       <p:par>
@@ -5625,6 +5618,9 @@
   <p:clrMapOvr>
     <a:masterClrMapping/>
   </p:clrMapOvr>
+  <p:transition spd="slow">
+    <p:push dir="u"/>
+  </p:transition>
   <p:timing>
     <p:tnLst>
       <p:par>
@@ -5912,6 +5908,9 @@
   <p:clrMapOvr>
     <a:masterClrMapping/>
   </p:clrMapOvr>
+  <p:transition spd="slow">
+    <p:push dir="u"/>
+  </p:transition>
   <p:timing>
     <p:tnLst>
       <p:par>
@@ -6357,6 +6356,9 @@
   <p:clrMapOvr>
     <a:masterClrMapping/>
   </p:clrMapOvr>
+  <p:transition spd="slow">
+    <p:push dir="u"/>
+  </p:transition>
   <p:timing>
     <p:tnLst>
       <p:par>
@@ -6415,19 +6417,7 @@
               <a:rPr lang="en-US" sz="4000" smtClean="0">
                 <a:latin typeface="+mj-lt"/>
               </a:rPr>
-              <a:t>Màn Hình Hiển </a:t>
-            </a:r>
-            <a:r>
-              <a:rPr lang="en-US" sz="4000" smtClean="0">
-                <a:latin typeface="+mj-lt"/>
-              </a:rPr>
-              <a:t>Thị Các </a:t>
-            </a:r>
-            <a:r>
-              <a:rPr lang="en-US" sz="4000" smtClean="0">
-                <a:latin typeface="+mj-lt"/>
-              </a:rPr>
-              <a:t>Công Việc Hôm Nay</a:t>
+              <a:t>Màn Hình Hiển Thị Các Công Việc Hôm Nay</a:t>
             </a:r>
             <a:endParaRPr lang="en-US" sz="4000">
               <a:latin typeface="+mj-lt"/>
@@ -6600,6 +6590,9 @@
   <p:clrMapOvr>
     <a:masterClrMapping/>
   </p:clrMapOvr>
+  <p:transition spd="slow">
+    <p:push dir="u"/>
+  </p:transition>
   <p:timing>
     <p:tnLst>
       <p:par>
